--- a/Newark_01a.pptx
+++ b/Newark_01a.pptx
@@ -4660,8 +4660,13 @@
             </a:pPr>
             <a:r>
               <a:rPr lang="en-GB" sz="1600" dirty="0"/>
-              <a:t>Newark delay statistics do not compare favourably with JFK</a:t>
-            </a:r>
+              <a:t>Newark delay statistics trend in line with the other </a:t>
+            </a:r>
+            <a:r>
+              <a:rPr lang="en-GB" sz="1600"/>
+              <a:t>NYC airports</a:t>
+            </a:r>
+            <a:endParaRPr lang="en-GB" sz="1600" dirty="0"/>
           </a:p>
           <a:p>
             <a:pPr marL="285750" indent="-285750" algn="l">

--- a/Newark_01a.pptx
+++ b/Newark_01a.pptx
@@ -4660,13 +4660,8 @@
             </a:pPr>
             <a:r>
               <a:rPr lang="en-GB" sz="1600" dirty="0"/>
-              <a:t>Newark delay statistics trend in line with the other </a:t>
-            </a:r>
-            <a:r>
-              <a:rPr lang="en-GB" sz="1600"/>
-              <a:t>NYC airports</a:t>
-            </a:r>
-            <a:endParaRPr lang="en-GB" sz="1600" dirty="0"/>
+              <a:t>Newark delay statistics trend in line with the other NYC airports</a:t>
+            </a:r>
           </a:p>
           <a:p>
             <a:pPr marL="285750" indent="-285750" algn="l">
@@ -4676,20 +4671,7 @@
             <a:endParaRPr lang="en-GB" sz="1600" dirty="0"/>
           </a:p>
           <a:p>
-            <a:pPr marL="285750" indent="-285750" algn="l">
-              <a:buFont typeface="Arial" panose="020B0604020202020204" pitchFamily="34" charset="0"/>
-              <a:buChar char="•"/>
-            </a:pPr>
-            <a:r>
-              <a:rPr lang="en-GB" sz="1600" dirty="0"/>
-              <a:t>Larger sample size and greater access to data for further models to be developed. </a:t>
-            </a:r>
-          </a:p>
-          <a:p>
-            <a:pPr marL="742950" lvl="1" indent="-285750" algn="l">
-              <a:buFont typeface="Arial" panose="020B0604020202020204" pitchFamily="34" charset="0"/>
-              <a:buChar char="•"/>
-            </a:pPr>
+            <a:pPr lvl="1" algn="l"/>
             <a:endParaRPr lang="en-GB" sz="1200" dirty="0"/>
           </a:p>
           <a:p>
@@ -5718,7 +5700,19 @@
             </a:r>
             <a:r>
               <a:rPr lang="en-US" sz="1600" dirty="0"/>
-              <a:t>uses many inputs to predict a category of outcome rather than a value</a:t>
+              <a:t>uses many inputs to predict a </a:t>
+            </a:r>
+            <a:r>
+              <a:rPr lang="en-US" sz="1600" u="sng" dirty="0"/>
+              <a:t>category</a:t>
+            </a:r>
+            <a:r>
+              <a:rPr lang="en-US" sz="1600" dirty="0"/>
+              <a:t> of outcome rather than a </a:t>
+            </a:r>
+            <a:r>
+              <a:rPr lang="en-US" sz="1600" u="sng" dirty="0"/>
+              <a:t>value</a:t>
             </a:r>
           </a:p>
           <a:p>
@@ -6431,6 +6425,13 @@
               <a:buFont typeface="Arial" panose="020B0604020202020204" pitchFamily="34" charset="0"/>
               <a:buChar char="•"/>
             </a:pPr>
+            <a:endParaRPr lang="en-GB" sz="1600" dirty="0"/>
+          </a:p>
+          <a:p>
+            <a:pPr marL="285750" indent="-285750" algn="l">
+              <a:buFont typeface="Arial" panose="020B0604020202020204" pitchFamily="34" charset="0"/>
+              <a:buChar char="•"/>
+            </a:pPr>
             <a:r>
               <a:rPr lang="en-GB" sz="1600" dirty="0"/>
               <a:t>Looked at the data points within the </a:t>
@@ -6451,6 +6452,9 @@
               <a:rPr lang="en-GB" sz="1600" dirty="0"/>
               <a:t> datasets to explain departure delays</a:t>
             </a:r>
+            <a:br>
+              <a:rPr lang="en-GB" sz="1600" dirty="0"/>
+            </a:br>
             <a:br>
               <a:rPr lang="en-GB" sz="1600" dirty="0"/>
             </a:br>
@@ -6472,6 +6476,9 @@
             <a:br>
               <a:rPr lang="en-GB" sz="1600" dirty="0"/>
             </a:br>
+            <a:br>
+              <a:rPr lang="en-GB" sz="1600" dirty="0"/>
+            </a:br>
             <a:endParaRPr lang="en-GB" sz="1600" dirty="0"/>
           </a:p>
           <a:p>
@@ -6487,6 +6494,9 @@
               <a:rPr lang="en-GB" sz="1600" dirty="0"/>
               <a:t> metrics included: age of plane, capacity, no of engines</a:t>
             </a:r>
+            <a:br>
+              <a:rPr lang="en-GB" sz="1600" dirty="0"/>
+            </a:br>
             <a:br>
               <a:rPr lang="en-GB" sz="1600" dirty="0"/>
             </a:br>
@@ -6534,26 +6544,6 @@
               <a:buChar char="•"/>
             </a:pPr>
             <a:endParaRPr lang="en-GB" sz="1600" b="1" dirty="0"/>
-          </a:p>
-          <a:p>
-            <a:pPr marL="285750" indent="-285750" algn="l">
-              <a:buFont typeface="Arial" panose="020B0604020202020204" pitchFamily="34" charset="0"/>
-              <a:buChar char="•"/>
-            </a:pPr>
-            <a:r>
-              <a:rPr lang="en-GB" sz="1600" dirty="0"/>
-              <a:t>Trained the model on the majority of the data </a:t>
-            </a:r>
-          </a:p>
-          <a:p>
-            <a:pPr marL="285750" indent="-285750" algn="l">
-              <a:buFont typeface="Arial" panose="020B0604020202020204" pitchFamily="34" charset="0"/>
-              <a:buChar char="•"/>
-            </a:pPr>
-            <a:r>
-              <a:rPr lang="en-GB" sz="1600" dirty="0"/>
-              <a:t>Tested the model on the remainder</a:t>
-            </a:r>
           </a:p>
           <a:p>
             <a:pPr marL="285750" indent="-285750" algn="l">
